--- a/Angular Course.pptx
+++ b/Angular Course.pptx
@@ -11768,13 +11768,7 @@
           <a:p>
             <a:r>
               <a:rPr lang="en-US" dirty="0"/>
-              <a:t>HTML Fundamentals</a:t>
-            </a:r>
-          </a:p>
-          <a:p>
-            <a:r>
-              <a:rPr lang="en-US" dirty="0"/>
-              <a:t>CSS Fundamentals</a:t>
+              <a:t>Angular 14</a:t>
             </a:r>
           </a:p>
         </p:txBody>

--- a/Angular Course.pptx
+++ b/Angular Course.pptx
@@ -26,6 +26,11 @@
     <p:sldId id="288" r:id="rId20"/>
     <p:sldId id="295" r:id="rId21"/>
     <p:sldId id="294" r:id="rId22"/>
+    <p:sldId id="297" r:id="rId23"/>
+    <p:sldId id="299" r:id="rId24"/>
+    <p:sldId id="298" r:id="rId25"/>
+    <p:sldId id="300" r:id="rId26"/>
+    <p:sldId id="296" r:id="rId27"/>
   </p:sldIdLst>
   <p:sldSz cx="12192000" cy="6858000"/>
   <p:notesSz cx="6858000" cy="9144000"/>
@@ -4012,7 +4017,7 @@
           <a:p>
             <a:fld id="{A7E172C4-61B0-43C6-B6CE-D21633E04F45}" type="datetimeFigureOut">
               <a:rPr lang="en-US" smtClean="0"/>
-              <a:t>9/19/2022</a:t>
+              <a:t>9/21/2022</a:t>
             </a:fld>
             <a:endParaRPr lang="en-US"/>
           </a:p>
@@ -4287,7 +4292,7 @@
           <a:p>
             <a:fld id="{A7E172C4-61B0-43C6-B6CE-D21633E04F45}" type="datetimeFigureOut">
               <a:rPr lang="en-US" smtClean="0"/>
-              <a:t>9/19/2022</a:t>
+              <a:t>9/21/2022</a:t>
             </a:fld>
             <a:endParaRPr lang="en-US"/>
           </a:p>
@@ -4481,7 +4486,7 @@
           <a:p>
             <a:fld id="{A7E172C4-61B0-43C6-B6CE-D21633E04F45}" type="datetimeFigureOut">
               <a:rPr lang="en-US" smtClean="0"/>
-              <a:t>9/19/2022</a:t>
+              <a:t>9/21/2022</a:t>
             </a:fld>
             <a:endParaRPr lang="en-US"/>
           </a:p>
@@ -4754,7 +4759,7 @@
           <a:p>
             <a:fld id="{A7E172C4-61B0-43C6-B6CE-D21633E04F45}" type="datetimeFigureOut">
               <a:rPr lang="en-US" smtClean="0"/>
-              <a:t>9/19/2022</a:t>
+              <a:t>9/21/2022</a:t>
             </a:fld>
             <a:endParaRPr lang="en-US"/>
           </a:p>
@@ -5095,7 +5100,7 @@
           <a:p>
             <a:fld id="{A7E172C4-61B0-43C6-B6CE-D21633E04F45}" type="datetimeFigureOut">
               <a:rPr lang="en-US" smtClean="0"/>
-              <a:t>9/19/2022</a:t>
+              <a:t>9/21/2022</a:t>
             </a:fld>
             <a:endParaRPr lang="en-US"/>
           </a:p>
@@ -5718,7 +5723,7 @@
           <a:p>
             <a:fld id="{A7E172C4-61B0-43C6-B6CE-D21633E04F45}" type="datetimeFigureOut">
               <a:rPr lang="en-US" smtClean="0"/>
-              <a:t>9/19/2022</a:t>
+              <a:t>9/21/2022</a:t>
             </a:fld>
             <a:endParaRPr lang="en-US"/>
           </a:p>
@@ -6578,7 +6583,7 @@
           <a:p>
             <a:fld id="{A7E172C4-61B0-43C6-B6CE-D21633E04F45}" type="datetimeFigureOut">
               <a:rPr lang="en-US" smtClean="0"/>
-              <a:t>9/19/2022</a:t>
+              <a:t>9/21/2022</a:t>
             </a:fld>
             <a:endParaRPr lang="en-US"/>
           </a:p>
@@ -6748,7 +6753,7 @@
           <a:p>
             <a:fld id="{A7E172C4-61B0-43C6-B6CE-D21633E04F45}" type="datetimeFigureOut">
               <a:rPr lang="en-US" smtClean="0"/>
-              <a:t>9/19/2022</a:t>
+              <a:t>9/21/2022</a:t>
             </a:fld>
             <a:endParaRPr lang="en-US"/>
           </a:p>
@@ -6928,7 +6933,7 @@
           <a:p>
             <a:fld id="{A7E172C4-61B0-43C6-B6CE-D21633E04F45}" type="datetimeFigureOut">
               <a:rPr lang="en-US" smtClean="0"/>
-              <a:t>9/19/2022</a:t>
+              <a:t>9/21/2022</a:t>
             </a:fld>
             <a:endParaRPr lang="en-US"/>
           </a:p>
@@ -7098,7 +7103,7 @@
           <a:p>
             <a:fld id="{A7E172C4-61B0-43C6-B6CE-D21633E04F45}" type="datetimeFigureOut">
               <a:rPr lang="en-US" smtClean="0"/>
-              <a:t>9/19/2022</a:t>
+              <a:t>9/21/2022</a:t>
             </a:fld>
             <a:endParaRPr lang="en-US"/>
           </a:p>
@@ -7345,7 +7350,7 @@
           <a:p>
             <a:fld id="{A7E172C4-61B0-43C6-B6CE-D21633E04F45}" type="datetimeFigureOut">
               <a:rPr lang="en-US" smtClean="0"/>
-              <a:t>9/19/2022</a:t>
+              <a:t>9/21/2022</a:t>
             </a:fld>
             <a:endParaRPr lang="en-US"/>
           </a:p>
@@ -7637,7 +7642,7 @@
           <a:p>
             <a:fld id="{A7E172C4-61B0-43C6-B6CE-D21633E04F45}" type="datetimeFigureOut">
               <a:rPr lang="en-US" smtClean="0"/>
-              <a:t>9/19/2022</a:t>
+              <a:t>9/21/2022</a:t>
             </a:fld>
             <a:endParaRPr lang="en-US"/>
           </a:p>
@@ -8081,7 +8086,7 @@
           <a:p>
             <a:fld id="{A7E172C4-61B0-43C6-B6CE-D21633E04F45}" type="datetimeFigureOut">
               <a:rPr lang="en-US" smtClean="0"/>
-              <a:t>9/19/2022</a:t>
+              <a:t>9/21/2022</a:t>
             </a:fld>
             <a:endParaRPr lang="en-US"/>
           </a:p>
@@ -8199,7 +8204,7 @@
           <a:p>
             <a:fld id="{A7E172C4-61B0-43C6-B6CE-D21633E04F45}" type="datetimeFigureOut">
               <a:rPr lang="en-US" smtClean="0"/>
-              <a:t>9/19/2022</a:t>
+              <a:t>9/21/2022</a:t>
             </a:fld>
             <a:endParaRPr lang="en-US"/>
           </a:p>
@@ -8294,7 +8299,7 @@
           <a:p>
             <a:fld id="{A7E172C4-61B0-43C6-B6CE-D21633E04F45}" type="datetimeFigureOut">
               <a:rPr lang="en-US" smtClean="0"/>
-              <a:t>9/19/2022</a:t>
+              <a:t>9/21/2022</a:t>
             </a:fld>
             <a:endParaRPr lang="en-US"/>
           </a:p>
@@ -8573,7 +8578,7 @@
           <a:p>
             <a:fld id="{A7E172C4-61B0-43C6-B6CE-D21633E04F45}" type="datetimeFigureOut">
               <a:rPr lang="en-US" smtClean="0"/>
-              <a:t>9/19/2022</a:t>
+              <a:t>9/21/2022</a:t>
             </a:fld>
             <a:endParaRPr lang="en-US"/>
           </a:p>
@@ -8848,7 +8853,7 @@
           <a:p>
             <a:fld id="{A7E172C4-61B0-43C6-B6CE-D21633E04F45}" type="datetimeFigureOut">
               <a:rPr lang="en-US" smtClean="0"/>
-              <a:t>9/19/2022</a:t>
+              <a:t>9/21/2022</a:t>
             </a:fld>
             <a:endParaRPr lang="en-US"/>
           </a:p>
@@ -9277,7 +9282,7 @@
           <a:p>
             <a:fld id="{A7E172C4-61B0-43C6-B6CE-D21633E04F45}" type="datetimeFigureOut">
               <a:rPr lang="en-US" smtClean="0"/>
-              <a:t>9/19/2022</a:t>
+              <a:t>9/21/2022</a:t>
             </a:fld>
             <a:endParaRPr lang="en-US"/>
           </a:p>
@@ -11977,7 +11982,7 @@
           <a:p>
             <a:r>
               <a:rPr lang="en-US" dirty="0"/>
-              <a:t>Other Topics (during the practical implementation)</a:t>
+              <a:t>Life Cycle Hooks</a:t>
             </a:r>
           </a:p>
         </p:txBody>
@@ -12001,67 +12006,143 @@
         <p:spPr/>
         <p:txBody>
           <a:bodyPr>
-            <a:normAutofit lnSpcReduction="10000"/>
+            <a:normAutofit/>
           </a:bodyPr>
           <a:lstStyle/>
           <a:p>
             <a:r>
+              <a:rPr lang="en-US" dirty="0" err="1"/>
+              <a:t>ngOnChanges</a:t>
+            </a:r>
+            <a:r>
               <a:rPr lang="en-US" dirty="0"/>
-              <a:t>Life Cycle Hooks</a:t>
-            </a:r>
-          </a:p>
-          <a:p>
+              <a:t>(): Respond when Angular sets or resets data-bound input properties (PERFORMANCE ISSUE)</a:t>
+            </a:r>
+          </a:p>
+          <a:p>
+            <a:r>
+              <a:rPr lang="en-US" dirty="0" err="1"/>
+              <a:t>ngOnInit</a:t>
+            </a:r>
             <a:r>
               <a:rPr lang="en-US" dirty="0"/>
-              <a:t>Using Services</a:t>
-            </a:r>
-          </a:p>
-          <a:p>
+              <a:t>(): after </a:t>
+            </a:r>
+            <a:r>
+              <a:rPr lang="en-US" dirty="0" err="1"/>
+              <a:t>ngOnChanes</a:t>
+            </a:r>
             <a:r>
               <a:rPr lang="en-US" dirty="0"/>
-              <a:t>Dependency Injection</a:t>
-            </a:r>
-          </a:p>
-          <a:p>
+              <a:t>(){fetch data in </a:t>
+            </a:r>
+            <a:r>
+              <a:rPr lang="en-US" dirty="0" err="1"/>
+              <a:t>onInit</a:t>
+            </a:r>
             <a:r>
               <a:rPr lang="en-US" dirty="0"/>
-              <a:t>Custom Module</a:t>
-            </a:r>
-          </a:p>
-          <a:p>
+              <a:t>	}</a:t>
+            </a:r>
+          </a:p>
+          <a:p>
+            <a:r>
+              <a:rPr lang="en-US" dirty="0" err="1"/>
+              <a:t>ngDoCheck</a:t>
+            </a:r>
             <a:r>
               <a:rPr lang="en-US" dirty="0"/>
-              <a:t>State Management By Service</a:t>
-            </a:r>
-          </a:p>
-          <a:p>
+              <a:t>(): after </a:t>
+            </a:r>
+            <a:r>
+              <a:rPr lang="en-US" dirty="0" err="1"/>
+              <a:t>ngOnInit</a:t>
+            </a:r>
             <a:r>
               <a:rPr lang="en-US" dirty="0"/>
-              <a:t>Routing</a:t>
-            </a:r>
-          </a:p>
-          <a:p>
+              <a:t>(), when </a:t>
+            </a:r>
+            <a:r>
+              <a:rPr lang="en-US" dirty="0" err="1"/>
+              <a:t>ngOnChanges</a:t>
+            </a:r>
             <a:r>
               <a:rPr lang="en-US" dirty="0"/>
-              <a:t>Login, Logout, Register, and Routes Guard</a:t>
-            </a:r>
-          </a:p>
-          <a:p>
+              <a:t>() fires</a:t>
+            </a:r>
+          </a:p>
+          <a:p>
+            <a:r>
+              <a:rPr lang="en-US" dirty="0" err="1"/>
+              <a:t>ngAfterContentInit</a:t>
+            </a:r>
             <a:r>
               <a:rPr lang="en-US" dirty="0"/>
-              <a:t>Angular Forms and Form Validation</a:t>
-            </a:r>
-          </a:p>
-          <a:p>
+              <a:t>(): after the first </a:t>
+            </a:r>
+            <a:r>
+              <a:rPr lang="en-US" dirty="0" err="1"/>
+              <a:t>ngDoCheck</a:t>
+            </a:r>
             <a:r>
               <a:rPr lang="en-US" dirty="0"/>
-              <a:t>True API</a:t>
-            </a:r>
-          </a:p>
-          <a:p>
+              <a:t>()</a:t>
+            </a:r>
+          </a:p>
+          <a:p>
+            <a:r>
+              <a:rPr lang="en-US" dirty="0" err="1"/>
+              <a:t>ngAfterContentChecked</a:t>
+            </a:r>
             <a:r>
               <a:rPr lang="en-US" dirty="0"/>
-              <a:t>Deploy on IIS</a:t>
+              <a:t>()	</a:t>
+            </a:r>
+          </a:p>
+          <a:p>
+            <a:r>
+              <a:rPr lang="en-US" dirty="0" err="1"/>
+              <a:t>ngAfterViewInit</a:t>
+            </a:r>
+            <a:r>
+              <a:rPr lang="en-US" dirty="0"/>
+              <a:t>()</a:t>
+            </a:r>
+          </a:p>
+          <a:p>
+            <a:r>
+              <a:rPr lang="en-US" dirty="0" err="1"/>
+              <a:t>ngAfterViewChecked</a:t>
+            </a:r>
+            <a:r>
+              <a:rPr lang="en-US" dirty="0"/>
+              <a:t>()</a:t>
+            </a:r>
+          </a:p>
+          <a:p>
+            <a:r>
+              <a:rPr lang="en-US" dirty="0" err="1"/>
+              <a:t>ngOnDestroy</a:t>
+            </a:r>
+            <a:r>
+              <a:rPr lang="en-US" dirty="0"/>
+              <a:t>(), *</a:t>
+            </a:r>
+            <a:r>
+              <a:rPr lang="en-US" dirty="0" err="1"/>
+              <a:t>ngIf</a:t>
+            </a:r>
+            <a:r>
+              <a:rPr lang="en-US" dirty="0"/>
+              <a:t> (destroy </a:t>
+            </a:r>
+            <a:r>
+              <a:rPr lang="en-US" dirty="0" err="1"/>
+              <a:t>setInterval</a:t>
+            </a:r>
+            <a:r>
+              <a:rPr lang="en-US" dirty="0"/>
+              <a:t> for example)</a:t>
             </a:r>
           </a:p>
         </p:txBody>
@@ -12070,6 +12151,577 @@
     <p:extLst>
       <p:ext uri="{BB962C8B-B14F-4D97-AF65-F5344CB8AC3E}">
         <p14:creationId xmlns:p14="http://schemas.microsoft.com/office/powerpoint/2010/main" val="3464170913"/>
+      </p:ext>
+    </p:extLst>
+  </p:cSld>
+  <p:clrMapOvr>
+    <a:masterClrMapping/>
+  </p:clrMapOvr>
+</p:sld>
+</file>
+
+<file path=ppt/slides/slide22.xml><?xml version="1.0" encoding="utf-8"?>
+<p:sld xmlns:a="http://schemas.openxmlformats.org/drawingml/2006/main" xmlns:r="http://schemas.openxmlformats.org/officeDocument/2006/relationships" xmlns:p="http://schemas.openxmlformats.org/presentationml/2006/main">
+  <p:cSld>
+    <p:spTree>
+      <p:nvGrpSpPr>
+        <p:cNvPr id="1" name=""/>
+        <p:cNvGrpSpPr/>
+        <p:nvPr/>
+      </p:nvGrpSpPr>
+      <p:grpSpPr>
+        <a:xfrm>
+          <a:off x="0" y="0"/>
+          <a:ext cx="0" cy="0"/>
+          <a:chOff x="0" y="0"/>
+          <a:chExt cx="0" cy="0"/>
+        </a:xfrm>
+      </p:grpSpPr>
+      <p:sp>
+        <p:nvSpPr>
+          <p:cNvPr id="2" name="Title 1">
+            <a:extLst>
+              <a:ext uri="{FF2B5EF4-FFF2-40B4-BE49-F238E27FC236}">
+                <a16:creationId xmlns:a16="http://schemas.microsoft.com/office/drawing/2014/main" id="{9D134FB3-24C8-A1D0-7DC8-36A79A9143B8}"/>
+              </a:ext>
+            </a:extLst>
+          </p:cNvPr>
+          <p:cNvSpPr>
+            <a:spLocks noGrp="1"/>
+          </p:cNvSpPr>
+          <p:nvPr>
+            <p:ph type="title"/>
+          </p:nvPr>
+        </p:nvSpPr>
+        <p:spPr/>
+        <p:txBody>
+          <a:bodyPr/>
+          <a:lstStyle/>
+          <a:p>
+            <a:r>
+              <a:rPr lang="en-US" dirty="0"/>
+              <a:t>Services</a:t>
+            </a:r>
+          </a:p>
+        </p:txBody>
+      </p:sp>
+      <p:sp>
+        <p:nvSpPr>
+          <p:cNvPr id="3" name="Content Placeholder 2">
+            <a:extLst>
+              <a:ext uri="{FF2B5EF4-FFF2-40B4-BE49-F238E27FC236}">
+                <a16:creationId xmlns:a16="http://schemas.microsoft.com/office/drawing/2014/main" id="{6806C6BF-E287-8718-E2CF-E1EE9AA14273}"/>
+              </a:ext>
+            </a:extLst>
+          </p:cNvPr>
+          <p:cNvSpPr>
+            <a:spLocks noGrp="1"/>
+          </p:cNvSpPr>
+          <p:nvPr>
+            <p:ph idx="1"/>
+          </p:nvPr>
+        </p:nvSpPr>
+        <p:spPr/>
+        <p:txBody>
+          <a:bodyPr>
+            <a:normAutofit lnSpcReduction="10000"/>
+          </a:bodyPr>
+          <a:lstStyle/>
+          <a:p>
+            <a:r>
+              <a:rPr lang="en-US" dirty="0"/>
+              <a:t>Use services to implement any logic (NOT IN THE COMPONENT)</a:t>
+            </a:r>
+          </a:p>
+          <a:p>
+            <a:r>
+              <a:rPr lang="en-US" dirty="0"/>
+              <a:t>Implement UI logic inside components</a:t>
+            </a:r>
+          </a:p>
+          <a:p>
+            <a:r>
+              <a:rPr lang="en-US" dirty="0"/>
+              <a:t>Services can be useful in passing data through application</a:t>
+            </a:r>
+          </a:p>
+          <a:p>
+            <a:r>
+              <a:rPr lang="en-US" dirty="0"/>
+              <a:t>Services are used to implement API request/response logic</a:t>
+            </a:r>
+          </a:p>
+          <a:p>
+            <a:r>
+              <a:rPr lang="en-US" dirty="0"/>
+              <a:t>Service are injected (@Injectable decorator) using Dependency Injection (Avoid chain of class initialization)</a:t>
+            </a:r>
+          </a:p>
+          <a:p>
+            <a:r>
+              <a:rPr lang="en-US" dirty="0"/>
+              <a:t>Service can contain values, functions, or features</a:t>
+            </a:r>
+          </a:p>
+          <a:p>
+            <a:pPr lvl="1"/>
+            <a:r>
+              <a:rPr lang="en-US" dirty="0"/>
+              <a:t>API calls</a:t>
+            </a:r>
+          </a:p>
+          <a:p>
+            <a:pPr lvl="1"/>
+            <a:r>
+              <a:rPr lang="en-US" dirty="0"/>
+              <a:t>Logging</a:t>
+            </a:r>
+          </a:p>
+          <a:p>
+            <a:pPr lvl="1"/>
+            <a:r>
+              <a:rPr lang="en-US" dirty="0"/>
+              <a:t>Input validation</a:t>
+            </a:r>
+          </a:p>
+          <a:p>
+            <a:pPr lvl="1"/>
+            <a:r>
+              <a:rPr lang="en-US" dirty="0"/>
+              <a:t>Error handling</a:t>
+            </a:r>
+          </a:p>
+          <a:p>
+            <a:pPr lvl="1"/>
+            <a:endParaRPr lang="en-US" dirty="0"/>
+          </a:p>
+        </p:txBody>
+      </p:sp>
+    </p:spTree>
+    <p:extLst>
+      <p:ext uri="{BB962C8B-B14F-4D97-AF65-F5344CB8AC3E}">
+        <p14:creationId xmlns:p14="http://schemas.microsoft.com/office/powerpoint/2010/main" val="2469164606"/>
+      </p:ext>
+    </p:extLst>
+  </p:cSld>
+  <p:clrMapOvr>
+    <a:masterClrMapping/>
+  </p:clrMapOvr>
+</p:sld>
+</file>
+
+<file path=ppt/slides/slide23.xml><?xml version="1.0" encoding="utf-8"?>
+<p:sld xmlns:a="http://schemas.openxmlformats.org/drawingml/2006/main" xmlns:r="http://schemas.openxmlformats.org/officeDocument/2006/relationships" xmlns:p="http://schemas.openxmlformats.org/presentationml/2006/main">
+  <p:cSld>
+    <p:spTree>
+      <p:nvGrpSpPr>
+        <p:cNvPr id="1" name=""/>
+        <p:cNvGrpSpPr/>
+        <p:nvPr/>
+      </p:nvGrpSpPr>
+      <p:grpSpPr>
+        <a:xfrm>
+          <a:off x="0" y="0"/>
+          <a:ext cx="0" cy="0"/>
+          <a:chOff x="0" y="0"/>
+          <a:chExt cx="0" cy="0"/>
+        </a:xfrm>
+      </p:grpSpPr>
+      <p:sp>
+        <p:nvSpPr>
+          <p:cNvPr id="2" name="Title 1">
+            <a:extLst>
+              <a:ext uri="{FF2B5EF4-FFF2-40B4-BE49-F238E27FC236}">
+                <a16:creationId xmlns:a16="http://schemas.microsoft.com/office/drawing/2014/main" id="{8B5151D5-0C98-985A-F349-CEE61DB0A8A5}"/>
+              </a:ext>
+            </a:extLst>
+          </p:cNvPr>
+          <p:cNvSpPr>
+            <a:spLocks noGrp="1"/>
+          </p:cNvSpPr>
+          <p:nvPr>
+            <p:ph type="title"/>
+          </p:nvPr>
+        </p:nvSpPr>
+        <p:spPr/>
+        <p:txBody>
+          <a:bodyPr/>
+          <a:lstStyle/>
+          <a:p>
+            <a:r>
+              <a:rPr lang="en-US" dirty="0"/>
+              <a:t>State Management by Service</a:t>
+            </a:r>
+          </a:p>
+        </p:txBody>
+      </p:sp>
+      <p:sp>
+        <p:nvSpPr>
+          <p:cNvPr id="3" name="Content Placeholder 2">
+            <a:extLst>
+              <a:ext uri="{FF2B5EF4-FFF2-40B4-BE49-F238E27FC236}">
+                <a16:creationId xmlns:a16="http://schemas.microsoft.com/office/drawing/2014/main" id="{5267D56F-0088-72F7-CD1A-35D021A8AB4F}"/>
+              </a:ext>
+            </a:extLst>
+          </p:cNvPr>
+          <p:cNvSpPr>
+            <a:spLocks noGrp="1"/>
+          </p:cNvSpPr>
+          <p:nvPr>
+            <p:ph idx="1"/>
+          </p:nvPr>
+        </p:nvSpPr>
+        <p:spPr/>
+        <p:txBody>
+          <a:bodyPr/>
+          <a:lstStyle/>
+          <a:p>
+            <a:r>
+              <a:rPr lang="en-US" dirty="0"/>
+              <a:t>Create service with needed state stores</a:t>
+            </a:r>
+          </a:p>
+          <a:p>
+            <a:r>
+              <a:rPr lang="en-US" dirty="0"/>
+              <a:t>On Refresh data will be lost</a:t>
+            </a:r>
+          </a:p>
+          <a:p>
+            <a:r>
+              <a:rPr lang="en-US" dirty="0"/>
+              <a:t>Store in cookies or local storage</a:t>
+            </a:r>
+          </a:p>
+          <a:p>
+            <a:endParaRPr lang="en-US" dirty="0"/>
+          </a:p>
+        </p:txBody>
+      </p:sp>
+    </p:spTree>
+    <p:extLst>
+      <p:ext uri="{BB962C8B-B14F-4D97-AF65-F5344CB8AC3E}">
+        <p14:creationId xmlns:p14="http://schemas.microsoft.com/office/powerpoint/2010/main" val="4133179847"/>
+      </p:ext>
+    </p:extLst>
+  </p:cSld>
+  <p:clrMapOvr>
+    <a:masterClrMapping/>
+  </p:clrMapOvr>
+</p:sld>
+</file>
+
+<file path=ppt/slides/slide24.xml><?xml version="1.0" encoding="utf-8"?>
+<p:sld xmlns:a="http://schemas.openxmlformats.org/drawingml/2006/main" xmlns:r="http://schemas.openxmlformats.org/officeDocument/2006/relationships" xmlns:p="http://schemas.openxmlformats.org/presentationml/2006/main">
+  <p:cSld>
+    <p:spTree>
+      <p:nvGrpSpPr>
+        <p:cNvPr id="1" name=""/>
+        <p:cNvGrpSpPr/>
+        <p:nvPr/>
+      </p:nvGrpSpPr>
+      <p:grpSpPr>
+        <a:xfrm>
+          <a:off x="0" y="0"/>
+          <a:ext cx="0" cy="0"/>
+          <a:chOff x="0" y="0"/>
+          <a:chExt cx="0" cy="0"/>
+        </a:xfrm>
+      </p:grpSpPr>
+      <p:sp>
+        <p:nvSpPr>
+          <p:cNvPr id="2" name="Title 1">
+            <a:extLst>
+              <a:ext uri="{FF2B5EF4-FFF2-40B4-BE49-F238E27FC236}">
+                <a16:creationId xmlns:a16="http://schemas.microsoft.com/office/drawing/2014/main" id="{8B5151D5-0C98-985A-F349-CEE61DB0A8A5}"/>
+              </a:ext>
+            </a:extLst>
+          </p:cNvPr>
+          <p:cNvSpPr>
+            <a:spLocks noGrp="1"/>
+          </p:cNvSpPr>
+          <p:nvPr>
+            <p:ph type="title"/>
+          </p:nvPr>
+        </p:nvSpPr>
+        <p:spPr/>
+        <p:txBody>
+          <a:bodyPr/>
+          <a:lstStyle/>
+          <a:p>
+            <a:r>
+              <a:rPr lang="en-US" dirty="0"/>
+              <a:t>Build a Custom Module</a:t>
+            </a:r>
+          </a:p>
+        </p:txBody>
+      </p:sp>
+      <p:sp>
+        <p:nvSpPr>
+          <p:cNvPr id="3" name="Content Placeholder 2">
+            <a:extLst>
+              <a:ext uri="{FF2B5EF4-FFF2-40B4-BE49-F238E27FC236}">
+                <a16:creationId xmlns:a16="http://schemas.microsoft.com/office/drawing/2014/main" id="{5267D56F-0088-72F7-CD1A-35D021A8AB4F}"/>
+              </a:ext>
+            </a:extLst>
+          </p:cNvPr>
+          <p:cNvSpPr>
+            <a:spLocks noGrp="1"/>
+          </p:cNvSpPr>
+          <p:nvPr>
+            <p:ph idx="1"/>
+          </p:nvPr>
+        </p:nvSpPr>
+        <p:spPr/>
+        <p:txBody>
+          <a:bodyPr/>
+          <a:lstStyle/>
+          <a:p>
+            <a:r>
+              <a:rPr lang="en-US" dirty="0"/>
+              <a:t>To encapsulate logic , Components</a:t>
+            </a:r>
+          </a:p>
+          <a:p>
+            <a:r>
+              <a:rPr lang="en-US" dirty="0"/>
+              <a:t>Import Module in App module</a:t>
+            </a:r>
+          </a:p>
+          <a:p>
+            <a:r>
+              <a:rPr lang="en-US" dirty="0"/>
+              <a:t>Declare components</a:t>
+            </a:r>
+          </a:p>
+          <a:p>
+            <a:r>
+              <a:rPr lang="en-US" dirty="0"/>
+              <a:t>Export components when used in other modules</a:t>
+            </a:r>
+          </a:p>
+          <a:p>
+            <a:endParaRPr lang="en-US" dirty="0"/>
+          </a:p>
+        </p:txBody>
+      </p:sp>
+    </p:spTree>
+    <p:extLst>
+      <p:ext uri="{BB962C8B-B14F-4D97-AF65-F5344CB8AC3E}">
+        <p14:creationId xmlns:p14="http://schemas.microsoft.com/office/powerpoint/2010/main" val="765502213"/>
+      </p:ext>
+    </p:extLst>
+  </p:cSld>
+  <p:clrMapOvr>
+    <a:masterClrMapping/>
+  </p:clrMapOvr>
+</p:sld>
+</file>
+
+<file path=ppt/slides/slide25.xml><?xml version="1.0" encoding="utf-8"?>
+<p:sld xmlns:a="http://schemas.openxmlformats.org/drawingml/2006/main" xmlns:r="http://schemas.openxmlformats.org/officeDocument/2006/relationships" xmlns:p="http://schemas.openxmlformats.org/presentationml/2006/main">
+  <p:cSld>
+    <p:spTree>
+      <p:nvGrpSpPr>
+        <p:cNvPr id="1" name=""/>
+        <p:cNvGrpSpPr/>
+        <p:nvPr/>
+      </p:nvGrpSpPr>
+      <p:grpSpPr>
+        <a:xfrm>
+          <a:off x="0" y="0"/>
+          <a:ext cx="0" cy="0"/>
+          <a:chOff x="0" y="0"/>
+          <a:chExt cx="0" cy="0"/>
+        </a:xfrm>
+      </p:grpSpPr>
+      <p:sp>
+        <p:nvSpPr>
+          <p:cNvPr id="2" name="Title 1">
+            <a:extLst>
+              <a:ext uri="{FF2B5EF4-FFF2-40B4-BE49-F238E27FC236}">
+                <a16:creationId xmlns:a16="http://schemas.microsoft.com/office/drawing/2014/main" id="{8B5151D5-0C98-985A-F349-CEE61DB0A8A5}"/>
+              </a:ext>
+            </a:extLst>
+          </p:cNvPr>
+          <p:cNvSpPr>
+            <a:spLocks noGrp="1"/>
+          </p:cNvSpPr>
+          <p:nvPr>
+            <p:ph type="title"/>
+          </p:nvPr>
+        </p:nvSpPr>
+        <p:spPr/>
+        <p:txBody>
+          <a:bodyPr/>
+          <a:lstStyle/>
+          <a:p>
+            <a:r>
+              <a:rPr lang="en-US" dirty="0"/>
+              <a:t>Routing</a:t>
+            </a:r>
+          </a:p>
+        </p:txBody>
+      </p:sp>
+      <p:sp>
+        <p:nvSpPr>
+          <p:cNvPr id="3" name="Content Placeholder 2">
+            <a:extLst>
+              <a:ext uri="{FF2B5EF4-FFF2-40B4-BE49-F238E27FC236}">
+                <a16:creationId xmlns:a16="http://schemas.microsoft.com/office/drawing/2014/main" id="{5267D56F-0088-72F7-CD1A-35D021A8AB4F}"/>
+              </a:ext>
+            </a:extLst>
+          </p:cNvPr>
+          <p:cNvSpPr>
+            <a:spLocks noGrp="1"/>
+          </p:cNvSpPr>
+          <p:nvPr>
+            <p:ph idx="1"/>
+          </p:nvPr>
+        </p:nvSpPr>
+        <p:spPr/>
+        <p:txBody>
+          <a:bodyPr/>
+          <a:lstStyle/>
+          <a:p>
+            <a:r>
+              <a:rPr lang="en-US" dirty="0"/>
+              <a:t>Routing installation</a:t>
+            </a:r>
+          </a:p>
+          <a:p>
+            <a:r>
+              <a:rPr lang="en-US" dirty="0"/>
+              <a:t>Routes with children</a:t>
+            </a:r>
+          </a:p>
+          <a:p>
+            <a:r>
+              <a:rPr lang="en-US" dirty="0"/>
+              <a:t>Header , Footer problem without using Framework</a:t>
+            </a:r>
+          </a:p>
+          <a:p>
+            <a:r>
+              <a:rPr lang="en-US" dirty="0"/>
+              <a:t>Routing Guards</a:t>
+            </a:r>
+          </a:p>
+          <a:p>
+            <a:endParaRPr lang="en-US" dirty="0"/>
+          </a:p>
+        </p:txBody>
+      </p:sp>
+    </p:spTree>
+    <p:extLst>
+      <p:ext uri="{BB962C8B-B14F-4D97-AF65-F5344CB8AC3E}">
+        <p14:creationId xmlns:p14="http://schemas.microsoft.com/office/powerpoint/2010/main" val="5921052"/>
+      </p:ext>
+    </p:extLst>
+  </p:cSld>
+  <p:clrMapOvr>
+    <a:masterClrMapping/>
+  </p:clrMapOvr>
+</p:sld>
+</file>
+
+<file path=ppt/slides/slide26.xml><?xml version="1.0" encoding="utf-8"?>
+<p:sld xmlns:a="http://schemas.openxmlformats.org/drawingml/2006/main" xmlns:r="http://schemas.openxmlformats.org/officeDocument/2006/relationships" xmlns:p="http://schemas.openxmlformats.org/presentationml/2006/main">
+  <p:cSld>
+    <p:spTree>
+      <p:nvGrpSpPr>
+        <p:cNvPr id="1" name=""/>
+        <p:cNvGrpSpPr/>
+        <p:nvPr/>
+      </p:nvGrpSpPr>
+      <p:grpSpPr>
+        <a:xfrm>
+          <a:off x="0" y="0"/>
+          <a:ext cx="0" cy="0"/>
+          <a:chOff x="0" y="0"/>
+          <a:chExt cx="0" cy="0"/>
+        </a:xfrm>
+      </p:grpSpPr>
+      <p:sp>
+        <p:nvSpPr>
+          <p:cNvPr id="2" name="Title 1">
+            <a:extLst>
+              <a:ext uri="{FF2B5EF4-FFF2-40B4-BE49-F238E27FC236}">
+                <a16:creationId xmlns:a16="http://schemas.microsoft.com/office/drawing/2014/main" id="{9D134FB3-24C8-A1D0-7DC8-36A79A9143B8}"/>
+              </a:ext>
+            </a:extLst>
+          </p:cNvPr>
+          <p:cNvSpPr>
+            <a:spLocks noGrp="1"/>
+          </p:cNvSpPr>
+          <p:nvPr>
+            <p:ph type="title"/>
+          </p:nvPr>
+        </p:nvSpPr>
+        <p:spPr/>
+        <p:txBody>
+          <a:bodyPr/>
+          <a:lstStyle/>
+          <a:p>
+            <a:r>
+              <a:rPr lang="en-US" dirty="0"/>
+              <a:t>Other Topics (during the practical implementation)</a:t>
+            </a:r>
+          </a:p>
+        </p:txBody>
+      </p:sp>
+      <p:sp>
+        <p:nvSpPr>
+          <p:cNvPr id="3" name="Content Placeholder 2">
+            <a:extLst>
+              <a:ext uri="{FF2B5EF4-FFF2-40B4-BE49-F238E27FC236}">
+                <a16:creationId xmlns:a16="http://schemas.microsoft.com/office/drawing/2014/main" id="{6806C6BF-E287-8718-E2CF-E1EE9AA14273}"/>
+              </a:ext>
+            </a:extLst>
+          </p:cNvPr>
+          <p:cNvSpPr>
+            <a:spLocks noGrp="1"/>
+          </p:cNvSpPr>
+          <p:nvPr>
+            <p:ph idx="1"/>
+          </p:nvPr>
+        </p:nvSpPr>
+        <p:spPr/>
+        <p:txBody>
+          <a:bodyPr>
+            <a:normAutofit/>
+          </a:bodyPr>
+          <a:lstStyle/>
+          <a:p>
+            <a:r>
+              <a:rPr lang="en-US" dirty="0"/>
+              <a:t>Angular Forms and Form Validation</a:t>
+            </a:r>
+          </a:p>
+          <a:p>
+            <a:r>
+              <a:rPr lang="en-US" dirty="0"/>
+              <a:t>Login, Logout, Register, and Routes Guard</a:t>
+            </a:r>
+          </a:p>
+          <a:p>
+            <a:r>
+              <a:rPr lang="en-US" dirty="0"/>
+              <a:t>True API</a:t>
+            </a:r>
+          </a:p>
+          <a:p>
+            <a:r>
+              <a:rPr lang="en-US" dirty="0"/>
+              <a:t>Deploy on IIS</a:t>
+            </a:r>
+          </a:p>
+        </p:txBody>
+      </p:sp>
+    </p:spTree>
+    <p:extLst>
+      <p:ext uri="{BB962C8B-B14F-4D97-AF65-F5344CB8AC3E}">
+        <p14:creationId xmlns:p14="http://schemas.microsoft.com/office/powerpoint/2010/main" val="2713770018"/>
       </p:ext>
     </p:extLst>
   </p:cSld>

--- a/Angular Course.pptx
+++ b/Angular Course.pptx
@@ -4017,7 +4017,7 @@
           <a:p>
             <a:fld id="{A7E172C4-61B0-43C6-B6CE-D21633E04F45}" type="datetimeFigureOut">
               <a:rPr lang="en-US" smtClean="0"/>
-              <a:t>9/21/2022</a:t>
+              <a:t>10/3/2022</a:t>
             </a:fld>
             <a:endParaRPr lang="en-US"/>
           </a:p>
@@ -4292,7 +4292,7 @@
           <a:p>
             <a:fld id="{A7E172C4-61B0-43C6-B6CE-D21633E04F45}" type="datetimeFigureOut">
               <a:rPr lang="en-US" smtClean="0"/>
-              <a:t>9/21/2022</a:t>
+              <a:t>10/3/2022</a:t>
             </a:fld>
             <a:endParaRPr lang="en-US"/>
           </a:p>
@@ -4486,7 +4486,7 @@
           <a:p>
             <a:fld id="{A7E172C4-61B0-43C6-B6CE-D21633E04F45}" type="datetimeFigureOut">
               <a:rPr lang="en-US" smtClean="0"/>
-              <a:t>9/21/2022</a:t>
+              <a:t>10/3/2022</a:t>
             </a:fld>
             <a:endParaRPr lang="en-US"/>
           </a:p>
@@ -4759,7 +4759,7 @@
           <a:p>
             <a:fld id="{A7E172C4-61B0-43C6-B6CE-D21633E04F45}" type="datetimeFigureOut">
               <a:rPr lang="en-US" smtClean="0"/>
-              <a:t>9/21/2022</a:t>
+              <a:t>10/3/2022</a:t>
             </a:fld>
             <a:endParaRPr lang="en-US"/>
           </a:p>
@@ -5100,7 +5100,7 @@
           <a:p>
             <a:fld id="{A7E172C4-61B0-43C6-B6CE-D21633E04F45}" type="datetimeFigureOut">
               <a:rPr lang="en-US" smtClean="0"/>
-              <a:t>9/21/2022</a:t>
+              <a:t>10/3/2022</a:t>
             </a:fld>
             <a:endParaRPr lang="en-US"/>
           </a:p>
@@ -5723,7 +5723,7 @@
           <a:p>
             <a:fld id="{A7E172C4-61B0-43C6-B6CE-D21633E04F45}" type="datetimeFigureOut">
               <a:rPr lang="en-US" smtClean="0"/>
-              <a:t>9/21/2022</a:t>
+              <a:t>10/3/2022</a:t>
             </a:fld>
             <a:endParaRPr lang="en-US"/>
           </a:p>
@@ -6583,7 +6583,7 @@
           <a:p>
             <a:fld id="{A7E172C4-61B0-43C6-B6CE-D21633E04F45}" type="datetimeFigureOut">
               <a:rPr lang="en-US" smtClean="0"/>
-              <a:t>9/21/2022</a:t>
+              <a:t>10/3/2022</a:t>
             </a:fld>
             <a:endParaRPr lang="en-US"/>
           </a:p>
@@ -6753,7 +6753,7 @@
           <a:p>
             <a:fld id="{A7E172C4-61B0-43C6-B6CE-D21633E04F45}" type="datetimeFigureOut">
               <a:rPr lang="en-US" smtClean="0"/>
-              <a:t>9/21/2022</a:t>
+              <a:t>10/3/2022</a:t>
             </a:fld>
             <a:endParaRPr lang="en-US"/>
           </a:p>
@@ -6933,7 +6933,7 @@
           <a:p>
             <a:fld id="{A7E172C4-61B0-43C6-B6CE-D21633E04F45}" type="datetimeFigureOut">
               <a:rPr lang="en-US" smtClean="0"/>
-              <a:t>9/21/2022</a:t>
+              <a:t>10/3/2022</a:t>
             </a:fld>
             <a:endParaRPr lang="en-US"/>
           </a:p>
@@ -7103,7 +7103,7 @@
           <a:p>
             <a:fld id="{A7E172C4-61B0-43C6-B6CE-D21633E04F45}" type="datetimeFigureOut">
               <a:rPr lang="en-US" smtClean="0"/>
-              <a:t>9/21/2022</a:t>
+              <a:t>10/3/2022</a:t>
             </a:fld>
             <a:endParaRPr lang="en-US"/>
           </a:p>
@@ -7350,7 +7350,7 @@
           <a:p>
             <a:fld id="{A7E172C4-61B0-43C6-B6CE-D21633E04F45}" type="datetimeFigureOut">
               <a:rPr lang="en-US" smtClean="0"/>
-              <a:t>9/21/2022</a:t>
+              <a:t>10/3/2022</a:t>
             </a:fld>
             <a:endParaRPr lang="en-US"/>
           </a:p>
@@ -7642,7 +7642,7 @@
           <a:p>
             <a:fld id="{A7E172C4-61B0-43C6-B6CE-D21633E04F45}" type="datetimeFigureOut">
               <a:rPr lang="en-US" smtClean="0"/>
-              <a:t>9/21/2022</a:t>
+              <a:t>10/3/2022</a:t>
             </a:fld>
             <a:endParaRPr lang="en-US"/>
           </a:p>
@@ -8086,7 +8086,7 @@
           <a:p>
             <a:fld id="{A7E172C4-61B0-43C6-B6CE-D21633E04F45}" type="datetimeFigureOut">
               <a:rPr lang="en-US" smtClean="0"/>
-              <a:t>9/21/2022</a:t>
+              <a:t>10/3/2022</a:t>
             </a:fld>
             <a:endParaRPr lang="en-US"/>
           </a:p>
@@ -8204,7 +8204,7 @@
           <a:p>
             <a:fld id="{A7E172C4-61B0-43C6-B6CE-D21633E04F45}" type="datetimeFigureOut">
               <a:rPr lang="en-US" smtClean="0"/>
-              <a:t>9/21/2022</a:t>
+              <a:t>10/3/2022</a:t>
             </a:fld>
             <a:endParaRPr lang="en-US"/>
           </a:p>
@@ -8299,7 +8299,7 @@
           <a:p>
             <a:fld id="{A7E172C4-61B0-43C6-B6CE-D21633E04F45}" type="datetimeFigureOut">
               <a:rPr lang="en-US" smtClean="0"/>
-              <a:t>9/21/2022</a:t>
+              <a:t>10/3/2022</a:t>
             </a:fld>
             <a:endParaRPr lang="en-US"/>
           </a:p>
@@ -8578,7 +8578,7 @@
           <a:p>
             <a:fld id="{A7E172C4-61B0-43C6-B6CE-D21633E04F45}" type="datetimeFigureOut">
               <a:rPr lang="en-US" smtClean="0"/>
-              <a:t>9/21/2022</a:t>
+              <a:t>10/3/2022</a:t>
             </a:fld>
             <a:endParaRPr lang="en-US"/>
           </a:p>
@@ -8853,7 +8853,7 @@
           <a:p>
             <a:fld id="{A7E172C4-61B0-43C6-B6CE-D21633E04F45}" type="datetimeFigureOut">
               <a:rPr lang="en-US" smtClean="0"/>
-              <a:t>9/21/2022</a:t>
+              <a:t>10/3/2022</a:t>
             </a:fld>
             <a:endParaRPr lang="en-US"/>
           </a:p>
@@ -9282,7 +9282,7 @@
           <a:p>
             <a:fld id="{A7E172C4-61B0-43C6-B6CE-D21633E04F45}" type="datetimeFigureOut">
               <a:rPr lang="en-US" smtClean="0"/>
-              <a:t>9/21/2022</a:t>
+              <a:t>10/3/2022</a:t>
             </a:fld>
             <a:endParaRPr lang="en-US"/>
           </a:p>
@@ -10529,13 +10529,8 @@
             <a:pPr lvl="1"/>
             <a:r>
               <a:rPr lang="en-US" dirty="0"/>
-              <a:t>Complex concepts for new </a:t>
-            </a:r>
-            <a:r>
-              <a:rPr lang="en-US" dirty="0" err="1"/>
-              <a:t>begginers</a:t>
-            </a:r>
-            <a:endParaRPr lang="en-US" dirty="0"/>
+              <a:t>Complex concepts for new beginners</a:t>
+            </a:r>
           </a:p>
           <a:p>
             <a:pPr lvl="1"/>
@@ -12713,8 +12708,13 @@
           <a:p>
             <a:r>
               <a:rPr lang="en-US" dirty="0"/>
-              <a:t>Deploy on IIS</a:t>
-            </a:r>
+              <a:t>Deploy on IIS </a:t>
+            </a:r>
+            <a:r>
+              <a:rPr lang="en-US"/>
+              <a:t>or Apache</a:t>
+            </a:r>
+            <a:endParaRPr lang="en-US" dirty="0"/>
           </a:p>
         </p:txBody>
       </p:sp>
